--- a/Data Management.pptx
+++ b/Data Management.pptx
@@ -270,7 +270,7 @@
           <a:p>
             <a:fld id="{AFEAE92B-BFDE-499C-B31D-BEDCCD446E88}" type="datetimeFigureOut">
               <a:rPr lang="en-MY" smtClean="0"/>
-              <a:t>16/5/2025</a:t>
+              <a:t>1/7/2025</a:t>
             </a:fld>
             <a:endParaRPr lang="en-MY"/>
           </a:p>
@@ -470,7 +470,7 @@
           <a:p>
             <a:fld id="{AFEAE92B-BFDE-499C-B31D-BEDCCD446E88}" type="datetimeFigureOut">
               <a:rPr lang="en-MY" smtClean="0"/>
-              <a:t>16/5/2025</a:t>
+              <a:t>1/7/2025</a:t>
             </a:fld>
             <a:endParaRPr lang="en-MY"/>
           </a:p>
@@ -680,7 +680,7 @@
           <a:p>
             <a:fld id="{AFEAE92B-BFDE-499C-B31D-BEDCCD446E88}" type="datetimeFigureOut">
               <a:rPr lang="en-MY" smtClean="0"/>
-              <a:t>16/5/2025</a:t>
+              <a:t>1/7/2025</a:t>
             </a:fld>
             <a:endParaRPr lang="en-MY"/>
           </a:p>
@@ -880,7 +880,7 @@
           <a:p>
             <a:fld id="{AFEAE92B-BFDE-499C-B31D-BEDCCD446E88}" type="datetimeFigureOut">
               <a:rPr lang="en-MY" smtClean="0"/>
-              <a:t>16/5/2025</a:t>
+              <a:t>1/7/2025</a:t>
             </a:fld>
             <a:endParaRPr lang="en-MY"/>
           </a:p>
@@ -1156,7 +1156,7 @@
           <a:p>
             <a:fld id="{AFEAE92B-BFDE-499C-B31D-BEDCCD446E88}" type="datetimeFigureOut">
               <a:rPr lang="en-MY" smtClean="0"/>
-              <a:t>16/5/2025</a:t>
+              <a:t>1/7/2025</a:t>
             </a:fld>
             <a:endParaRPr lang="en-MY"/>
           </a:p>
@@ -1424,7 +1424,7 @@
           <a:p>
             <a:fld id="{AFEAE92B-BFDE-499C-B31D-BEDCCD446E88}" type="datetimeFigureOut">
               <a:rPr lang="en-MY" smtClean="0"/>
-              <a:t>16/5/2025</a:t>
+              <a:t>1/7/2025</a:t>
             </a:fld>
             <a:endParaRPr lang="en-MY"/>
           </a:p>
@@ -1839,7 +1839,7 @@
           <a:p>
             <a:fld id="{AFEAE92B-BFDE-499C-B31D-BEDCCD446E88}" type="datetimeFigureOut">
               <a:rPr lang="en-MY" smtClean="0"/>
-              <a:t>16/5/2025</a:t>
+              <a:t>1/7/2025</a:t>
             </a:fld>
             <a:endParaRPr lang="en-MY"/>
           </a:p>
@@ -1981,7 +1981,7 @@
           <a:p>
             <a:fld id="{AFEAE92B-BFDE-499C-B31D-BEDCCD446E88}" type="datetimeFigureOut">
               <a:rPr lang="en-MY" smtClean="0"/>
-              <a:t>16/5/2025</a:t>
+              <a:t>1/7/2025</a:t>
             </a:fld>
             <a:endParaRPr lang="en-MY"/>
           </a:p>
@@ -2094,7 +2094,7 @@
           <a:p>
             <a:fld id="{AFEAE92B-BFDE-499C-B31D-BEDCCD446E88}" type="datetimeFigureOut">
               <a:rPr lang="en-MY" smtClean="0"/>
-              <a:t>16/5/2025</a:t>
+              <a:t>1/7/2025</a:t>
             </a:fld>
             <a:endParaRPr lang="en-MY"/>
           </a:p>
@@ -2407,7 +2407,7 @@
           <a:p>
             <a:fld id="{AFEAE92B-BFDE-499C-B31D-BEDCCD446E88}" type="datetimeFigureOut">
               <a:rPr lang="en-MY" smtClean="0"/>
-              <a:t>16/5/2025</a:t>
+              <a:t>1/7/2025</a:t>
             </a:fld>
             <a:endParaRPr lang="en-MY"/>
           </a:p>
@@ -2696,7 +2696,7 @@
           <a:p>
             <a:fld id="{AFEAE92B-BFDE-499C-B31D-BEDCCD446E88}" type="datetimeFigureOut">
               <a:rPr lang="en-MY" smtClean="0"/>
-              <a:t>16/5/2025</a:t>
+              <a:t>1/7/2025</a:t>
             </a:fld>
             <a:endParaRPr lang="en-MY"/>
           </a:p>
@@ -2939,7 +2939,7 @@
           <a:p>
             <a:fld id="{AFEAE92B-BFDE-499C-B31D-BEDCCD446E88}" type="datetimeFigureOut">
               <a:rPr lang="en-MY" smtClean="0"/>
-              <a:t>16/5/2025</a:t>
+              <a:t>1/7/2025</a:t>
             </a:fld>
             <a:endParaRPr lang="en-MY"/>
           </a:p>
@@ -4119,8 +4119,8 @@
         </p:nvSpPr>
         <p:spPr>
           <a:xfrm>
-            <a:off x="0" y="4299284"/>
-            <a:ext cx="11965968" cy="1785104"/>
+            <a:off x="0" y="3699209"/>
+            <a:ext cx="11965968" cy="1231106"/>
           </a:xfrm>
           <a:prstGeom prst="rect">
             <a:avLst/>
@@ -4188,21 +4188,60 @@
               <a:effectLst/>
             </a:endParaRPr>
           </a:p>
-          <a:p>
-            <a:pPr marL="342900" indent="-342900">
-              <a:buAutoNum type="arabicPeriod"/>
-            </a:pPr>
-            <a:endParaRPr lang="en-MY" b="1" i="0" u="sng" dirty="0">
-              <a:solidFill>
-                <a:srgbClr val="4643AA"/>
-              </a:solidFill>
-              <a:effectLst/>
-            </a:endParaRPr>
-          </a:p>
-          <a:p>
-            <a:pPr marL="342900" indent="-342900">
-              <a:buAutoNum type="arabicPeriod"/>
-            </a:pPr>
+        </p:txBody>
+      </p:sp>
+      <p:sp>
+        <p:nvSpPr>
+          <p:cNvPr id="3" name="TextBox 2">
+            <a:extLst>
+              <a:ext uri="{FF2B5EF4-FFF2-40B4-BE49-F238E27FC236}">
+                <a16:creationId xmlns:a16="http://schemas.microsoft.com/office/drawing/2014/main" id="{CBB1EE4F-4999-9D2D-B049-F05CA3775A49}"/>
+              </a:ext>
+            </a:extLst>
+          </p:cNvPr>
+          <p:cNvSpPr txBox="1"/>
+          <p:nvPr/>
+        </p:nvSpPr>
+        <p:spPr>
+          <a:xfrm>
+            <a:off x="1304074" y="5343525"/>
+            <a:ext cx="2887137" cy="1477328"/>
+          </a:xfrm>
+          <a:prstGeom prst="rect">
+            <a:avLst/>
+          </a:prstGeom>
+          <a:noFill/>
+        </p:spPr>
+        <p:txBody>
+          <a:bodyPr wrap="none" rtlCol="0">
+            <a:spAutoFit/>
+          </a:bodyPr>
+          <a:lstStyle/>
+          <a:p>
+            <a:r>
+              <a:rPr lang="en-US" dirty="0"/>
+              <a:t>9995 =&gt; Zeppelin</a:t>
+            </a:r>
+          </a:p>
+          <a:p>
+            <a:r>
+              <a:rPr lang="en-US" dirty="0"/>
+              <a:t>8080 =&gt; Ambari Dashboard</a:t>
+            </a:r>
+          </a:p>
+          <a:p>
+            <a:r>
+              <a:rPr lang="en-US" dirty="0"/>
+              <a:t>8042 =&gt; Hadoop</a:t>
+            </a:r>
+          </a:p>
+          <a:p>
+            <a:r>
+              <a:rPr lang="en-US" dirty="0"/>
+              <a:t>15070 =&gt; Hadoop</a:t>
+            </a:r>
+          </a:p>
+          <a:p>
             <a:endParaRPr lang="en-MY" dirty="0"/>
           </a:p>
         </p:txBody>
@@ -4616,6 +4655,114 @@
               <a:buAutoNum type="arabicPeriod"/>
             </a:pPr>
             <a:endParaRPr lang="en-MY" sz="2000" dirty="0"/>
+          </a:p>
+        </p:txBody>
+      </p:sp>
+      <p:sp>
+        <p:nvSpPr>
+          <p:cNvPr id="3" name="TextBox 2">
+            <a:extLst>
+              <a:ext uri="{FF2B5EF4-FFF2-40B4-BE49-F238E27FC236}">
+                <a16:creationId xmlns:a16="http://schemas.microsoft.com/office/drawing/2014/main" id="{CA36913A-29AE-6F5A-3DCE-9DBA8694B022}"/>
+              </a:ext>
+            </a:extLst>
+          </p:cNvPr>
+          <p:cNvSpPr txBox="1"/>
+          <p:nvPr/>
+        </p:nvSpPr>
+        <p:spPr>
+          <a:xfrm>
+            <a:off x="457200" y="1495587"/>
+            <a:ext cx="11328742" cy="646331"/>
+          </a:xfrm>
+          <a:prstGeom prst="rect">
+            <a:avLst/>
+          </a:prstGeom>
+          <a:noFill/>
+        </p:spPr>
+        <p:txBody>
+          <a:bodyPr wrap="none" rtlCol="0">
+            <a:spAutoFit/>
+          </a:bodyPr>
+          <a:lstStyle/>
+          <a:p>
+            <a:r>
+              <a:rPr lang="en-US" dirty="0"/>
+              <a:t>To get Docker IP Address using </a:t>
+            </a:r>
+            <a:r>
+              <a:rPr lang="en-US" dirty="0" err="1"/>
+              <a:t>cmd</a:t>
+            </a:r>
+            <a:r>
+              <a:rPr lang="en-US" dirty="0"/>
+              <a:t>, run: </a:t>
+            </a:r>
+          </a:p>
+          <a:p>
+            <a:r>
+              <a:rPr lang="en-MY" dirty="0">
+                <a:highlight>
+                  <a:srgbClr val="C0C0C0"/>
+                </a:highlight>
+                <a:latin typeface="Consolas" panose="020B0609020204030204" pitchFamily="49" charset="0"/>
+              </a:rPr>
+              <a:t>docker inspect -f '{{range .</a:t>
+            </a:r>
+            <a:r>
+              <a:rPr lang="en-MY" dirty="0" err="1">
+                <a:highlight>
+                  <a:srgbClr val="C0C0C0"/>
+                </a:highlight>
+                <a:latin typeface="Consolas" panose="020B0609020204030204" pitchFamily="49" charset="0"/>
+              </a:rPr>
+              <a:t>NetworkSettings.Networks</a:t>
+            </a:r>
+            <a:r>
+              <a:rPr lang="en-MY" dirty="0">
+                <a:highlight>
+                  <a:srgbClr val="C0C0C0"/>
+                </a:highlight>
+                <a:latin typeface="Consolas" panose="020B0609020204030204" pitchFamily="49" charset="0"/>
+              </a:rPr>
+              <a:t>}}{{.</a:t>
+            </a:r>
+            <a:r>
+              <a:rPr lang="en-MY" dirty="0" err="1">
+                <a:highlight>
+                  <a:srgbClr val="C0C0C0"/>
+                </a:highlight>
+                <a:latin typeface="Consolas" panose="020B0609020204030204" pitchFamily="49" charset="0"/>
+              </a:rPr>
+              <a:t>IPAddress</a:t>
+            </a:r>
+            <a:r>
+              <a:rPr lang="en-MY" dirty="0">
+                <a:highlight>
+                  <a:srgbClr val="C0C0C0"/>
+                </a:highlight>
+                <a:latin typeface="Consolas" panose="020B0609020204030204" pitchFamily="49" charset="0"/>
+              </a:rPr>
+              <a:t>}}{{end}}' </a:t>
+            </a:r>
+            <a:r>
+              <a:rPr lang="en-MY" dirty="0" err="1">
+                <a:highlight>
+                  <a:srgbClr val="C0C0C0"/>
+                </a:highlight>
+                <a:latin typeface="Consolas" panose="020B0609020204030204" pitchFamily="49" charset="0"/>
+              </a:rPr>
+              <a:t>hdp</a:t>
+            </a:r>
+            <a:r>
+              <a:rPr lang="en-MY" dirty="0">
+                <a:highlight>
+                  <a:srgbClr val="C0C0C0"/>
+                </a:highlight>
+                <a:latin typeface="Consolas" panose="020B0609020204030204" pitchFamily="49" charset="0"/>
+              </a:rPr>
+              <a:t>-sandbox</a:t>
+            </a:r>
           </a:p>
         </p:txBody>
       </p:sp>
